--- a/images/theory_analysis/Container_Storage_Interface/CSI.pptx
+++ b/images/theory_analysis/Container_Storage_Interface/CSI.pptx
@@ -5,12 +5,13 @@
     <p:sldMasterId id="2147483648" r:id="rId1"/>
   </p:sldMasterIdLst>
   <p:notesMasterIdLst>
-    <p:notesMasterId r:id="rId5"/>
+    <p:notesMasterId r:id="rId6"/>
   </p:notesMasterIdLst>
   <p:sldIdLst>
     <p:sldId id="422" r:id="rId2"/>
-    <p:sldId id="423" r:id="rId3"/>
-    <p:sldId id="421" r:id="rId4"/>
+    <p:sldId id="424" r:id="rId3"/>
+    <p:sldId id="423" r:id="rId4"/>
+    <p:sldId id="421" r:id="rId5"/>
   </p:sldIdLst>
   <p:sldSz cx="9144000" cy="5143500" type="screen16x9"/>
   <p:notesSz cx="6858000" cy="9144000"/>
@@ -215,7 +216,7 @@
           <a:p>
             <a:fld id="{6CD5550B-26C4-49A9-A5BA-636EF7BE6CE9}" type="datetimeFigureOut">
               <a:rPr lang="ko-KR" altLang="en-US" smtClean="0"/>
-              <a:t>2019-10-17</a:t>
+              <a:t>2019-10-18</a:t>
             </a:fld>
             <a:endParaRPr lang="ko-KR" altLang="en-US"/>
           </a:p>
@@ -631,7 +632,91 @@
           <a:p>
             <a:fld id="{BA5DFA43-8D57-47FB-BC46-057616015C3B}" type="slidenum">
               <a:rPr lang="ko-KR" altLang="en-US" smtClean="0"/>
-              <a:t>3</a:t>
+              <a:t>2</a:t>
+            </a:fld>
+            <a:endParaRPr lang="ko-KR" altLang="en-US"/>
+          </a:p>
+        </p:txBody>
+      </p:sp>
+    </p:spTree>
+    <p:extLst>
+      <p:ext uri="{BB962C8B-B14F-4D97-AF65-F5344CB8AC3E}">
+        <p14:creationId xmlns:p14="http://schemas.microsoft.com/office/powerpoint/2010/main" val="3664530535"/>
+      </p:ext>
+    </p:extLst>
+  </p:cSld>
+  <p:clrMapOvr>
+    <a:masterClrMapping/>
+  </p:clrMapOvr>
+</p:notes>
+</file>
+
+<file path=ppt/notesSlides/notesSlide3.xml><?xml version="1.0" encoding="utf-8"?>
+<p:notes xmlns:a="http://schemas.openxmlformats.org/drawingml/2006/main" xmlns:r="http://schemas.openxmlformats.org/officeDocument/2006/relationships" xmlns:p="http://schemas.openxmlformats.org/presentationml/2006/main">
+  <p:cSld>
+    <p:spTree>
+      <p:nvGrpSpPr>
+        <p:cNvPr id="1" name=""/>
+        <p:cNvGrpSpPr/>
+        <p:nvPr/>
+      </p:nvGrpSpPr>
+      <p:grpSpPr>
+        <a:xfrm>
+          <a:off x="0" y="0"/>
+          <a:ext cx="0" cy="0"/>
+          <a:chOff x="0" y="0"/>
+          <a:chExt cx="0" cy="0"/>
+        </a:xfrm>
+      </p:grpSpPr>
+      <p:sp>
+        <p:nvSpPr>
+          <p:cNvPr id="2" name="슬라이드 이미지 개체 틀 1"/>
+          <p:cNvSpPr>
+            <a:spLocks noGrp="1" noRot="1" noChangeAspect="1"/>
+          </p:cNvSpPr>
+          <p:nvPr>
+            <p:ph type="sldImg"/>
+          </p:nvPr>
+        </p:nvSpPr>
+        <p:spPr/>
+      </p:sp>
+      <p:sp>
+        <p:nvSpPr>
+          <p:cNvPr id="3" name="슬라이드 노트 개체 틀 2"/>
+          <p:cNvSpPr>
+            <a:spLocks noGrp="1"/>
+          </p:cNvSpPr>
+          <p:nvPr>
+            <p:ph type="body" idx="1"/>
+          </p:nvPr>
+        </p:nvSpPr>
+        <p:spPr/>
+        <p:txBody>
+          <a:bodyPr/>
+          <a:lstStyle/>
+          <a:p>
+            <a:endParaRPr lang="ko-KR" altLang="en-US"/>
+          </a:p>
+        </p:txBody>
+      </p:sp>
+      <p:sp>
+        <p:nvSpPr>
+          <p:cNvPr id="4" name="슬라이드 번호 개체 틀 3"/>
+          <p:cNvSpPr>
+            <a:spLocks noGrp="1"/>
+          </p:cNvSpPr>
+          <p:nvPr>
+            <p:ph type="sldNum" sz="quarter" idx="10"/>
+          </p:nvPr>
+        </p:nvSpPr>
+        <p:spPr/>
+        <p:txBody>
+          <a:bodyPr/>
+          <a:lstStyle/>
+          <a:p>
+            <a:fld id="{BA5DFA43-8D57-47FB-BC46-057616015C3B}" type="slidenum">
+              <a:rPr lang="ko-KR" altLang="en-US" smtClean="0"/>
+              <a:t>4</a:t>
             </a:fld>
             <a:endParaRPr lang="ko-KR" altLang="en-US"/>
           </a:p>
@@ -829,7 +914,7 @@
           <a:p>
             <a:fld id="{FB30EDBD-1C2D-4C1E-B459-B60219FAB484}" type="datetimeFigureOut">
               <a:rPr lang="ko-KR" altLang="en-US" smtClean="0"/>
-              <a:t>2019-10-17</a:t>
+              <a:t>2019-10-18</a:t>
             </a:fld>
             <a:endParaRPr lang="ko-KR" altLang="en-US"/>
           </a:p>
@@ -992,7 +1077,7 @@
           <a:p>
             <a:fld id="{FB30EDBD-1C2D-4C1E-B459-B60219FAB484}" type="datetimeFigureOut">
               <a:rPr lang="ko-KR" altLang="en-US" smtClean="0"/>
-              <a:t>2019-10-17</a:t>
+              <a:t>2019-10-18</a:t>
             </a:fld>
             <a:endParaRPr lang="ko-KR" altLang="en-US"/>
           </a:p>
@@ -1165,7 +1250,7 @@
           <a:p>
             <a:fld id="{FB30EDBD-1C2D-4C1E-B459-B60219FAB484}" type="datetimeFigureOut">
               <a:rPr lang="ko-KR" altLang="en-US" smtClean="0"/>
-              <a:t>2019-10-17</a:t>
+              <a:t>2019-10-18</a:t>
             </a:fld>
             <a:endParaRPr lang="ko-KR" altLang="en-US"/>
           </a:p>
@@ -1328,7 +1413,7 @@
           <a:p>
             <a:fld id="{FB30EDBD-1C2D-4C1E-B459-B60219FAB484}" type="datetimeFigureOut">
               <a:rPr lang="ko-KR" altLang="en-US" smtClean="0"/>
-              <a:t>2019-10-17</a:t>
+              <a:t>2019-10-18</a:t>
             </a:fld>
             <a:endParaRPr lang="ko-KR" altLang="en-US"/>
           </a:p>
@@ -1568,7 +1653,7 @@
           <a:p>
             <a:fld id="{FB30EDBD-1C2D-4C1E-B459-B60219FAB484}" type="datetimeFigureOut">
               <a:rPr lang="ko-KR" altLang="en-US" smtClean="0"/>
-              <a:t>2019-10-17</a:t>
+              <a:t>2019-10-18</a:t>
             </a:fld>
             <a:endParaRPr lang="ko-KR" altLang="en-US"/>
           </a:p>
@@ -1848,7 +1933,7 @@
           <a:p>
             <a:fld id="{FB30EDBD-1C2D-4C1E-B459-B60219FAB484}" type="datetimeFigureOut">
               <a:rPr lang="ko-KR" altLang="en-US" smtClean="0"/>
-              <a:t>2019-10-17</a:t>
+              <a:t>2019-10-18</a:t>
             </a:fld>
             <a:endParaRPr lang="ko-KR" altLang="en-US"/>
           </a:p>
@@ -2262,7 +2347,7 @@
           <a:p>
             <a:fld id="{FB30EDBD-1C2D-4C1E-B459-B60219FAB484}" type="datetimeFigureOut">
               <a:rPr lang="ko-KR" altLang="en-US" smtClean="0"/>
-              <a:t>2019-10-17</a:t>
+              <a:t>2019-10-18</a:t>
             </a:fld>
             <a:endParaRPr lang="ko-KR" altLang="en-US"/>
           </a:p>
@@ -2374,7 +2459,7 @@
           <a:p>
             <a:fld id="{FB30EDBD-1C2D-4C1E-B459-B60219FAB484}" type="datetimeFigureOut">
               <a:rPr lang="ko-KR" altLang="en-US" smtClean="0"/>
-              <a:t>2019-10-17</a:t>
+              <a:t>2019-10-18</a:t>
             </a:fld>
             <a:endParaRPr lang="ko-KR" altLang="en-US"/>
           </a:p>
@@ -2464,7 +2549,7 @@
           <a:p>
             <a:fld id="{FB30EDBD-1C2D-4C1E-B459-B60219FAB484}" type="datetimeFigureOut">
               <a:rPr lang="ko-KR" altLang="en-US" smtClean="0"/>
-              <a:t>2019-10-17</a:t>
+              <a:t>2019-10-18</a:t>
             </a:fld>
             <a:endParaRPr lang="ko-KR" altLang="en-US"/>
           </a:p>
@@ -2734,7 +2819,7 @@
           <a:p>
             <a:fld id="{FB30EDBD-1C2D-4C1E-B459-B60219FAB484}" type="datetimeFigureOut">
               <a:rPr lang="ko-KR" altLang="en-US" smtClean="0"/>
-              <a:t>2019-10-17</a:t>
+              <a:t>2019-10-18</a:t>
             </a:fld>
             <a:endParaRPr lang="ko-KR" altLang="en-US"/>
           </a:p>
@@ -2981,7 +3066,7 @@
           <a:p>
             <a:fld id="{FB30EDBD-1C2D-4C1E-B459-B60219FAB484}" type="datetimeFigureOut">
               <a:rPr lang="ko-KR" altLang="en-US" smtClean="0"/>
-              <a:t>2019-10-17</a:t>
+              <a:t>2019-10-18</a:t>
             </a:fld>
             <a:endParaRPr lang="ko-KR" altLang="en-US"/>
           </a:p>
@@ -3187,7 +3272,7 @@
           <a:p>
             <a:fld id="{FB30EDBD-1C2D-4C1E-B459-B60219FAB484}" type="datetimeFigureOut">
               <a:rPr lang="ko-KR" altLang="en-US" smtClean="0"/>
-              <a:t>2019-10-17</a:t>
+              <a:t>2019-10-18</a:t>
             </a:fld>
             <a:endParaRPr lang="ko-KR" altLang="en-US"/>
           </a:p>
@@ -3605,12 +3690,12 @@
         </p:nvSpPr>
         <p:spPr>
           <a:xfrm>
-            <a:off x="3306088" y="987574"/>
+            <a:off x="3234083" y="1491630"/>
             <a:ext cx="2634064" cy="504056"/>
           </a:xfrm>
           <a:prstGeom prst="roundRect">
             <a:avLst>
-              <a:gd name="adj" fmla="val 12533"/>
+              <a:gd name="adj" fmla="val 6774"/>
             </a:avLst>
           </a:prstGeom>
         </p:spPr>
@@ -3661,12 +3746,12 @@
         </p:nvSpPr>
         <p:spPr>
           <a:xfrm>
-            <a:off x="3306088" y="1779662"/>
+            <a:off x="3234083" y="2283718"/>
             <a:ext cx="2634064" cy="576064"/>
           </a:xfrm>
           <a:prstGeom prst="roundRect">
             <a:avLst>
-              <a:gd name="adj" fmla="val 4130"/>
+              <a:gd name="adj" fmla="val 5390"/>
             </a:avLst>
           </a:prstGeom>
         </p:spPr>
@@ -3708,62 +3793,6 @@
             <a:r>
               <a:rPr lang="en-US" altLang="ko-KR" sz="1400" dirty="0"/>
               <a:t>Interface)</a:t>
-            </a:r>
-          </a:p>
-        </p:txBody>
-      </p:sp>
-      <p:sp>
-        <p:nvSpPr>
-          <p:cNvPr id="21" name="사각형: 둥근 모서리 114">
-            <a:extLst>
-              <a:ext uri="{FF2B5EF4-FFF2-40B4-BE49-F238E27FC236}">
-                <a16:creationId xmlns:a16="http://schemas.microsoft.com/office/drawing/2014/main" id="{5CEA1C91-AD8B-43D0-9674-EF2917459163}"/>
-              </a:ext>
-            </a:extLst>
-          </p:cNvPr>
-          <p:cNvSpPr/>
-          <p:nvPr/>
-        </p:nvSpPr>
-        <p:spPr>
-          <a:xfrm>
-            <a:off x="1004144" y="3723878"/>
-            <a:ext cx="1296144" cy="576064"/>
-          </a:xfrm>
-          <a:prstGeom prst="roundRect">
-            <a:avLst>
-              <a:gd name="adj" fmla="val 7242"/>
-            </a:avLst>
-          </a:prstGeom>
-        </p:spPr>
-        <p:style>
-          <a:lnRef idx="2">
-            <a:schemeClr val="dk1"/>
-          </a:lnRef>
-          <a:fillRef idx="1">
-            <a:schemeClr val="lt1"/>
-          </a:fillRef>
-          <a:effectRef idx="0">
-            <a:schemeClr val="dk1"/>
-          </a:effectRef>
-          <a:fontRef idx="minor">
-            <a:schemeClr val="dk1"/>
-          </a:fontRef>
-        </p:style>
-        <p:txBody>
-          <a:bodyPr rtlCol="0" anchor="ctr"/>
-          <a:lstStyle/>
-          <a:p>
-            <a:pPr algn="ctr"/>
-            <a:r>
-              <a:rPr lang="en-US" altLang="ko-KR" sz="1400" dirty="0"/>
-              <a:t>Loopback</a:t>
-            </a:r>
-          </a:p>
-          <a:p>
-            <a:pPr algn="ctr"/>
-            <a:r>
-              <a:rPr lang="en-US" altLang="ko-KR" sz="1400" dirty="0"/>
-              <a:t>Plugin</a:t>
             </a:r>
           </a:p>
         </p:txBody>
@@ -3786,7 +3815,7 @@
         </p:nvCxnSpPr>
         <p:spPr>
           <a:xfrm>
-            <a:off x="4623120" y="1491630"/>
+            <a:off x="4551115" y="1995686"/>
             <a:ext cx="0" cy="288032"/>
           </a:xfrm>
           <a:prstGeom prst="line">
@@ -3827,8 +3856,8 @@
         </p:nvSpPr>
         <p:spPr>
           <a:xfrm>
-            <a:off x="2483768" y="3723878"/>
-            <a:ext cx="1296144" cy="576064"/>
+            <a:off x="2764543" y="3219822"/>
+            <a:ext cx="1656188" cy="576064"/>
           </a:xfrm>
           <a:prstGeom prst="roundRect">
             <a:avLst>
@@ -3856,234 +3885,13 @@
           <a:p>
             <a:pPr algn="ctr"/>
             <a:r>
-              <a:rPr lang="en-US" altLang="ko-KR" sz="1400" dirty="0"/>
-              <a:t>Bridge</a:t>
-            </a:r>
-          </a:p>
-          <a:p>
-            <a:pPr algn="ctr"/>
-            <a:r>
-              <a:rPr lang="en-US" altLang="ko-KR" sz="1400" dirty="0"/>
-              <a:t>Plugin</a:t>
-            </a:r>
-          </a:p>
-        </p:txBody>
-      </p:sp>
-      <p:sp>
-        <p:nvSpPr>
-          <p:cNvPr id="26" name="사각형: 둥근 모서리 114">
-            <a:extLst>
-              <a:ext uri="{FF2B5EF4-FFF2-40B4-BE49-F238E27FC236}">
-                <a16:creationId xmlns:a16="http://schemas.microsoft.com/office/drawing/2014/main" id="{66DDE728-17BE-45D4-B945-41876B104FF8}"/>
-              </a:ext>
-            </a:extLst>
-          </p:cNvPr>
-          <p:cNvSpPr/>
-          <p:nvPr/>
-        </p:nvSpPr>
-        <p:spPr>
-          <a:xfrm>
-            <a:off x="3975048" y="3723878"/>
-            <a:ext cx="1296144" cy="576064"/>
-          </a:xfrm>
-          <a:prstGeom prst="roundRect">
-            <a:avLst>
-              <a:gd name="adj" fmla="val 7242"/>
-            </a:avLst>
-          </a:prstGeom>
-        </p:spPr>
-        <p:style>
-          <a:lnRef idx="2">
-            <a:schemeClr val="dk1"/>
-          </a:lnRef>
-          <a:fillRef idx="1">
-            <a:schemeClr val="lt1"/>
-          </a:fillRef>
-          <a:effectRef idx="0">
-            <a:schemeClr val="dk1"/>
-          </a:effectRef>
-          <a:fontRef idx="minor">
-            <a:schemeClr val="dk1"/>
-          </a:fontRef>
-        </p:style>
-        <p:txBody>
-          <a:bodyPr rtlCol="0" anchor="ctr"/>
-          <a:lstStyle/>
-          <a:p>
-            <a:pPr algn="ctr"/>
-            <a:r>
-              <a:rPr lang="en-US" altLang="ko-KR" sz="1400" dirty="0" err="1"/>
-              <a:t>Macvlan</a:t>
-            </a:r>
-            <a:endParaRPr lang="en-US" altLang="ko-KR" sz="1400" dirty="0"/>
-          </a:p>
-          <a:p>
-            <a:pPr algn="ctr"/>
-            <a:r>
-              <a:rPr lang="en-US" altLang="ko-KR" sz="1400" dirty="0"/>
-              <a:t>Plugin</a:t>
-            </a:r>
-          </a:p>
-        </p:txBody>
-      </p:sp>
-      <p:sp>
-        <p:nvSpPr>
-          <p:cNvPr id="27" name="사각형: 둥근 모서리 114">
-            <a:extLst>
-              <a:ext uri="{FF2B5EF4-FFF2-40B4-BE49-F238E27FC236}">
-                <a16:creationId xmlns:a16="http://schemas.microsoft.com/office/drawing/2014/main" id="{273C0FB7-7F66-45C2-991B-0D19E375FC06}"/>
-              </a:ext>
-            </a:extLst>
-          </p:cNvPr>
-          <p:cNvSpPr/>
-          <p:nvPr/>
-        </p:nvSpPr>
-        <p:spPr>
-          <a:xfrm>
-            <a:off x="5436096" y="3723878"/>
-            <a:ext cx="1296144" cy="576064"/>
-          </a:xfrm>
-          <a:prstGeom prst="roundRect">
-            <a:avLst>
-              <a:gd name="adj" fmla="val 7242"/>
-            </a:avLst>
-          </a:prstGeom>
-        </p:spPr>
-        <p:style>
-          <a:lnRef idx="2">
-            <a:schemeClr val="dk1"/>
-          </a:lnRef>
-          <a:fillRef idx="1">
-            <a:schemeClr val="lt1"/>
-          </a:fillRef>
-          <a:effectRef idx="0">
-            <a:schemeClr val="dk1"/>
-          </a:effectRef>
-          <a:fontRef idx="minor">
-            <a:schemeClr val="dk1"/>
-          </a:fontRef>
-        </p:style>
-        <p:txBody>
-          <a:bodyPr rtlCol="0" anchor="ctr"/>
-          <a:lstStyle/>
-          <a:p>
-            <a:pPr algn="ctr"/>
-            <a:r>
-              <a:rPr lang="en-US" altLang="ko-KR" sz="1400" dirty="0" err="1"/>
-              <a:t>IPvlan</a:t>
-            </a:r>
-            <a:endParaRPr lang="en-US" altLang="ko-KR" sz="1400" dirty="0"/>
-          </a:p>
-          <a:p>
-            <a:pPr algn="ctr"/>
-            <a:r>
-              <a:rPr lang="en-US" altLang="ko-KR" sz="1400" dirty="0"/>
-              <a:t>Plugin</a:t>
-            </a:r>
-          </a:p>
-        </p:txBody>
-      </p:sp>
-      <p:sp>
-        <p:nvSpPr>
-          <p:cNvPr id="28" name="사각형: 둥근 모서리 114">
-            <a:extLst>
-              <a:ext uri="{FF2B5EF4-FFF2-40B4-BE49-F238E27FC236}">
-                <a16:creationId xmlns:a16="http://schemas.microsoft.com/office/drawing/2014/main" id="{E9BA27B3-6296-4FC9-AEC0-8D7CCBDA6EC3}"/>
-              </a:ext>
-            </a:extLst>
-          </p:cNvPr>
-          <p:cNvSpPr/>
-          <p:nvPr/>
-        </p:nvSpPr>
-        <p:spPr>
-          <a:xfrm>
-            <a:off x="6876256" y="3723878"/>
-            <a:ext cx="1296144" cy="576064"/>
-          </a:xfrm>
-          <a:prstGeom prst="roundRect">
-            <a:avLst>
-              <a:gd name="adj" fmla="val 7242"/>
-            </a:avLst>
-          </a:prstGeom>
-        </p:spPr>
-        <p:style>
-          <a:lnRef idx="2">
-            <a:schemeClr val="dk1"/>
-          </a:lnRef>
-          <a:fillRef idx="1">
-            <a:schemeClr val="lt1"/>
-          </a:fillRef>
-          <a:effectRef idx="0">
-            <a:schemeClr val="dk1"/>
-          </a:effectRef>
-          <a:fontRef idx="minor">
-            <a:schemeClr val="dk1"/>
-          </a:fontRef>
-        </p:style>
-        <p:txBody>
-          <a:bodyPr rtlCol="0" anchor="ctr"/>
-          <a:lstStyle/>
-          <a:p>
-            <a:pPr algn="ctr"/>
-            <a:r>
-              <a:rPr lang="en-US" altLang="ko-KR" sz="1400" dirty="0"/>
-              <a:t>Third-party</a:t>
-            </a:r>
-          </a:p>
-          <a:p>
-            <a:pPr algn="ctr"/>
-            <a:r>
-              <a:rPr lang="en-US" altLang="ko-KR" sz="1400" dirty="0"/>
-              <a:t>Plugin</a:t>
-            </a:r>
-          </a:p>
-        </p:txBody>
-      </p:sp>
-      <p:cxnSp>
-        <p:nvCxnSpPr>
-          <p:cNvPr id="29" name="직선 연결선 28">
-            <a:extLst>
-              <a:ext uri="{FF2B5EF4-FFF2-40B4-BE49-F238E27FC236}">
-                <a16:creationId xmlns:a16="http://schemas.microsoft.com/office/drawing/2014/main" id="{0B9AFD3F-1929-4FF4-9AF9-C8CD2BE44D7A}"/>
-              </a:ext>
-            </a:extLst>
-          </p:cNvPr>
-          <p:cNvCxnSpPr>
-            <a:cxnSpLocks/>
-            <a:stCxn id="20" idx="2"/>
-            <a:endCxn id="21" idx="0"/>
-          </p:cNvCxnSpPr>
-          <p:nvPr/>
-        </p:nvCxnSpPr>
-        <p:spPr>
-          <a:xfrm flipH="1">
-            <a:off x="1652216" y="2355726"/>
-            <a:ext cx="2970904" cy="1368152"/>
-          </a:xfrm>
-          <a:prstGeom prst="line">
-            <a:avLst/>
-          </a:prstGeom>
-          <a:ln w="19050">
-            <a:solidFill>
-              <a:schemeClr val="tx1"/>
-            </a:solidFill>
-          </a:ln>
-        </p:spPr>
-        <p:style>
-          <a:lnRef idx="1">
-            <a:schemeClr val="accent1"/>
-          </a:lnRef>
-          <a:fillRef idx="0">
-            <a:schemeClr val="accent1"/>
-          </a:fillRef>
-          <a:effectRef idx="0">
-            <a:schemeClr val="accent1"/>
-          </a:effectRef>
-          <a:fontRef idx="minor">
-            <a:schemeClr val="tx1"/>
-          </a:fontRef>
-        </p:style>
-      </p:cxnSp>
+              <a:rPr lang="en-US" altLang="ko-KR" sz="1400" b="1"/>
+              <a:t>Controller Plugin</a:t>
+            </a:r>
+            <a:endParaRPr lang="en-US" altLang="ko-KR" sz="1400" b="1" dirty="0"/>
+          </a:p>
+        </p:txBody>
+      </p:sp>
       <p:cxnSp>
         <p:nvCxnSpPr>
           <p:cNvPr id="30" name="직선 연결선 29">
@@ -4102,8 +3910,8 @@
         </p:nvCxnSpPr>
         <p:spPr>
           <a:xfrm flipH="1">
-            <a:off x="3131840" y="2355726"/>
-            <a:ext cx="1491280" cy="1368152"/>
+            <a:off x="3592637" y="2859782"/>
+            <a:ext cx="958478" cy="360040"/>
           </a:xfrm>
           <a:prstGeom prst="line">
             <a:avLst/>
@@ -4141,14 +3949,14 @@
           <p:cNvCxnSpPr>
             <a:cxnSpLocks/>
             <a:stCxn id="20" idx="2"/>
-            <a:endCxn id="26" idx="0"/>
+            <a:endCxn id="34" idx="0"/>
           </p:cNvCxnSpPr>
           <p:nvPr/>
         </p:nvCxnSpPr>
         <p:spPr>
           <a:xfrm>
-            <a:off x="4623120" y="2355726"/>
-            <a:ext cx="0" cy="1368152"/>
+            <a:off x="4551115" y="2859782"/>
+            <a:ext cx="985741" cy="360040"/>
           </a:xfrm>
           <a:prstGeom prst="line">
             <a:avLst/>
@@ -4174,94 +3982,56 @@
           </a:fontRef>
         </p:style>
       </p:cxnSp>
-      <p:cxnSp>
-        <p:nvCxnSpPr>
-          <p:cNvPr id="32" name="직선 연결선 31">
+      <p:sp>
+        <p:nvSpPr>
+          <p:cNvPr id="34" name="사각형: 둥근 모서리 114">
             <a:extLst>
               <a:ext uri="{FF2B5EF4-FFF2-40B4-BE49-F238E27FC236}">
-                <a16:creationId xmlns:a16="http://schemas.microsoft.com/office/drawing/2014/main" id="{CC33EB52-5C0D-4203-BE8A-6A89F7504E05}"/>
+                <a16:creationId xmlns:a16="http://schemas.microsoft.com/office/drawing/2014/main" id="{CB30C6D9-F028-4324-AE0B-F71EE4606207}"/>
               </a:ext>
             </a:extLst>
           </p:cNvPr>
-          <p:cNvCxnSpPr>
-            <a:endCxn id="27" idx="0"/>
-          </p:cNvCxnSpPr>
+          <p:cNvSpPr/>
           <p:nvPr/>
-        </p:nvCxnSpPr>
-        <p:spPr>
-          <a:xfrm>
-            <a:off x="4623120" y="3147814"/>
-            <a:ext cx="1461048" cy="576064"/>
-          </a:xfrm>
-          <a:prstGeom prst="line">
-            <a:avLst/>
+        </p:nvSpPr>
+        <p:spPr>
+          <a:xfrm>
+            <a:off x="4708762" y="3219822"/>
+            <a:ext cx="1656188" cy="576064"/>
+          </a:xfrm>
+          <a:prstGeom prst="roundRect">
+            <a:avLst>
+              <a:gd name="adj" fmla="val 7242"/>
+            </a:avLst>
           </a:prstGeom>
-          <a:ln w="19050">
-            <a:solidFill>
-              <a:schemeClr val="tx1"/>
-            </a:solidFill>
-          </a:ln>
         </p:spPr>
         <p:style>
-          <a:lnRef idx="1">
-            <a:schemeClr val="accent1"/>
+          <a:lnRef idx="2">
+            <a:schemeClr val="dk1"/>
           </a:lnRef>
-          <a:fillRef idx="0">
-            <a:schemeClr val="accent1"/>
+          <a:fillRef idx="1">
+            <a:schemeClr val="lt1"/>
           </a:fillRef>
           <a:effectRef idx="0">
-            <a:schemeClr val="accent1"/>
+            <a:schemeClr val="dk1"/>
           </a:effectRef>
           <a:fontRef idx="minor">
-            <a:schemeClr val="tx1"/>
+            <a:schemeClr val="dk1"/>
           </a:fontRef>
         </p:style>
-      </p:cxnSp>
-      <p:cxnSp>
-        <p:nvCxnSpPr>
-          <p:cNvPr id="33" name="직선 연결선 32">
-            <a:extLst>
-              <a:ext uri="{FF2B5EF4-FFF2-40B4-BE49-F238E27FC236}">
-                <a16:creationId xmlns:a16="http://schemas.microsoft.com/office/drawing/2014/main" id="{4BAF1E60-B915-433F-9DD2-162838A6F1D5}"/>
-              </a:ext>
-            </a:extLst>
-          </p:cNvPr>
-          <p:cNvCxnSpPr>
-            <a:cxnSpLocks/>
-            <a:stCxn id="20" idx="2"/>
-            <a:endCxn id="28" idx="0"/>
-          </p:cNvCxnSpPr>
-          <p:nvPr/>
-        </p:nvCxnSpPr>
-        <p:spPr>
-          <a:xfrm>
-            <a:off x="4623120" y="2355726"/>
-            <a:ext cx="2901208" cy="1368152"/>
-          </a:xfrm>
-          <a:prstGeom prst="line">
-            <a:avLst/>
-          </a:prstGeom>
-          <a:ln w="19050">
-            <a:solidFill>
-              <a:schemeClr val="tx1"/>
-            </a:solidFill>
-          </a:ln>
-        </p:spPr>
-        <p:style>
-          <a:lnRef idx="1">
-            <a:schemeClr val="accent1"/>
-          </a:lnRef>
-          <a:fillRef idx="0">
-            <a:schemeClr val="accent1"/>
-          </a:fillRef>
-          <a:effectRef idx="0">
-            <a:schemeClr val="accent1"/>
-          </a:effectRef>
-          <a:fontRef idx="minor">
-            <a:schemeClr val="tx1"/>
-          </a:fontRef>
-        </p:style>
-      </p:cxnSp>
+        <p:txBody>
+          <a:bodyPr rtlCol="0" anchor="ctr"/>
+          <a:lstStyle/>
+          <a:p>
+            <a:pPr algn="ctr"/>
+            <a:r>
+              <a:rPr lang="en-US" altLang="ko-KR" sz="1400" b="1"/>
+              <a:t>Node Plugin</a:t>
+            </a:r>
+            <a:endParaRPr lang="en-US" altLang="ko-KR" sz="1400" b="1" dirty="0"/>
+          </a:p>
+        </p:txBody>
+      </p:sp>
     </p:spTree>
     <p:extLst>
       <p:ext uri="{BB962C8B-B14F-4D97-AF65-F5344CB8AC3E}">
@@ -4292,6 +4062,1035 @@
           <a:chExt cx="0" cy="0"/>
         </a:xfrm>
       </p:grpSpPr>
+      <p:sp>
+        <p:nvSpPr>
+          <p:cNvPr id="2" name="제목 1">
+            <a:extLst>
+              <a:ext uri="{FF2B5EF4-FFF2-40B4-BE49-F238E27FC236}">
+                <a16:creationId xmlns:a16="http://schemas.microsoft.com/office/drawing/2014/main" id="{8738443D-5E72-49E2-86AC-581D61C41C39}"/>
+              </a:ext>
+            </a:extLst>
+          </p:cNvPr>
+          <p:cNvSpPr>
+            <a:spLocks noGrp="1"/>
+          </p:cNvSpPr>
+          <p:nvPr>
+            <p:ph type="title"/>
+          </p:nvPr>
+        </p:nvSpPr>
+        <p:spPr>
+          <a:xfrm>
+            <a:off x="457200" y="-92546"/>
+            <a:ext cx="8229600" cy="857250"/>
+          </a:xfrm>
+        </p:spPr>
+        <p:txBody>
+          <a:bodyPr/>
+          <a:lstStyle/>
+          <a:p>
+            <a:r>
+              <a:rPr lang="en-US" altLang="ko-KR"/>
+              <a:t>CSI Volume Life Cycle</a:t>
+            </a:r>
+            <a:endParaRPr lang="ko-KR" altLang="en-US" dirty="0"/>
+          </a:p>
+        </p:txBody>
+      </p:sp>
+      <p:sp>
+        <p:nvSpPr>
+          <p:cNvPr id="19" name="사각형: 둥근 모서리 114">
+            <a:extLst>
+              <a:ext uri="{FF2B5EF4-FFF2-40B4-BE49-F238E27FC236}">
+                <a16:creationId xmlns:a16="http://schemas.microsoft.com/office/drawing/2014/main" id="{E6C92C75-2BF0-48B3-804E-8E2D741C1E19}"/>
+              </a:ext>
+            </a:extLst>
+          </p:cNvPr>
+          <p:cNvSpPr/>
+          <p:nvPr/>
+        </p:nvSpPr>
+        <p:spPr>
+          <a:xfrm>
+            <a:off x="3810152" y="1131590"/>
+            <a:ext cx="1481926" cy="360040"/>
+          </a:xfrm>
+          <a:prstGeom prst="roundRect">
+            <a:avLst>
+              <a:gd name="adj" fmla="val 6774"/>
+            </a:avLst>
+          </a:prstGeom>
+        </p:spPr>
+        <p:style>
+          <a:lnRef idx="2">
+            <a:schemeClr val="dk1"/>
+          </a:lnRef>
+          <a:fillRef idx="1">
+            <a:schemeClr val="lt1"/>
+          </a:fillRef>
+          <a:effectRef idx="0">
+            <a:schemeClr val="dk1"/>
+          </a:effectRef>
+          <a:fontRef idx="minor">
+            <a:schemeClr val="dk1"/>
+          </a:fontRef>
+        </p:style>
+        <p:txBody>
+          <a:bodyPr rtlCol="0" anchor="ctr"/>
+          <a:lstStyle/>
+          <a:p>
+            <a:pPr algn="ctr"/>
+            <a:r>
+              <a:rPr lang="en-US" altLang="ko-KR" sz="1400"/>
+              <a:t>CREATED</a:t>
+            </a:r>
+            <a:endParaRPr lang="ko-KR" altLang="en-US" sz="1400" b="1" dirty="0">
+              <a:solidFill>
+                <a:schemeClr val="accent2">
+                  <a:lumMod val="75000"/>
+                </a:schemeClr>
+              </a:solidFill>
+            </a:endParaRPr>
+          </a:p>
+        </p:txBody>
+      </p:sp>
+      <p:sp>
+        <p:nvSpPr>
+          <p:cNvPr id="14" name="사각형: 둥근 모서리 114">
+            <a:extLst>
+              <a:ext uri="{FF2B5EF4-FFF2-40B4-BE49-F238E27FC236}">
+                <a16:creationId xmlns:a16="http://schemas.microsoft.com/office/drawing/2014/main" id="{E6513C3F-9A2A-4556-909A-87B03BF1560C}"/>
+              </a:ext>
+            </a:extLst>
+          </p:cNvPr>
+          <p:cNvSpPr/>
+          <p:nvPr/>
+        </p:nvSpPr>
+        <p:spPr>
+          <a:xfrm>
+            <a:off x="3810152" y="2211710"/>
+            <a:ext cx="1481926" cy="360040"/>
+          </a:xfrm>
+          <a:prstGeom prst="roundRect">
+            <a:avLst>
+              <a:gd name="adj" fmla="val 6774"/>
+            </a:avLst>
+          </a:prstGeom>
+        </p:spPr>
+        <p:style>
+          <a:lnRef idx="2">
+            <a:schemeClr val="dk1"/>
+          </a:lnRef>
+          <a:fillRef idx="1">
+            <a:schemeClr val="lt1"/>
+          </a:fillRef>
+          <a:effectRef idx="0">
+            <a:schemeClr val="dk1"/>
+          </a:effectRef>
+          <a:fontRef idx="minor">
+            <a:schemeClr val="dk1"/>
+          </a:fontRef>
+        </p:style>
+        <p:txBody>
+          <a:bodyPr rtlCol="0" anchor="ctr"/>
+          <a:lstStyle/>
+          <a:p>
+            <a:pPr algn="ctr"/>
+            <a:r>
+              <a:rPr lang="en-US" altLang="ko-KR" sz="1400"/>
+              <a:t>NODE READY</a:t>
+            </a:r>
+            <a:endParaRPr lang="ko-KR" altLang="en-US" sz="1400" b="1" dirty="0">
+              <a:solidFill>
+                <a:schemeClr val="accent2">
+                  <a:lumMod val="75000"/>
+                </a:schemeClr>
+              </a:solidFill>
+            </a:endParaRPr>
+          </a:p>
+        </p:txBody>
+      </p:sp>
+      <p:sp>
+        <p:nvSpPr>
+          <p:cNvPr id="21" name="사각형: 둥근 모서리 114">
+            <a:extLst>
+              <a:ext uri="{FF2B5EF4-FFF2-40B4-BE49-F238E27FC236}">
+                <a16:creationId xmlns:a16="http://schemas.microsoft.com/office/drawing/2014/main" id="{54C3D1E9-B6F4-4355-A127-0D1767E93EE5}"/>
+              </a:ext>
+            </a:extLst>
+          </p:cNvPr>
+          <p:cNvSpPr/>
+          <p:nvPr/>
+        </p:nvSpPr>
+        <p:spPr>
+          <a:xfrm>
+            <a:off x="3810152" y="3291830"/>
+            <a:ext cx="1481926" cy="360040"/>
+          </a:xfrm>
+          <a:prstGeom prst="roundRect">
+            <a:avLst>
+              <a:gd name="adj" fmla="val 6774"/>
+            </a:avLst>
+          </a:prstGeom>
+        </p:spPr>
+        <p:style>
+          <a:lnRef idx="2">
+            <a:schemeClr val="dk1"/>
+          </a:lnRef>
+          <a:fillRef idx="1">
+            <a:schemeClr val="lt1"/>
+          </a:fillRef>
+          <a:effectRef idx="0">
+            <a:schemeClr val="dk1"/>
+          </a:effectRef>
+          <a:fontRef idx="minor">
+            <a:schemeClr val="dk1"/>
+          </a:fontRef>
+        </p:style>
+        <p:txBody>
+          <a:bodyPr rtlCol="0" anchor="ctr"/>
+          <a:lstStyle/>
+          <a:p>
+            <a:pPr algn="ctr"/>
+            <a:r>
+              <a:rPr lang="en-US" altLang="ko-KR" sz="1400"/>
+              <a:t>VOL READY</a:t>
+            </a:r>
+            <a:endParaRPr lang="ko-KR" altLang="en-US" sz="1400" b="1" dirty="0">
+              <a:solidFill>
+                <a:schemeClr val="accent2">
+                  <a:lumMod val="75000"/>
+                </a:schemeClr>
+              </a:solidFill>
+            </a:endParaRPr>
+          </a:p>
+        </p:txBody>
+      </p:sp>
+      <p:sp>
+        <p:nvSpPr>
+          <p:cNvPr id="22" name="사각형: 둥근 모서리 114">
+            <a:extLst>
+              <a:ext uri="{FF2B5EF4-FFF2-40B4-BE49-F238E27FC236}">
+                <a16:creationId xmlns:a16="http://schemas.microsoft.com/office/drawing/2014/main" id="{590303BF-9597-4818-A32B-78FF3C72BF82}"/>
+              </a:ext>
+            </a:extLst>
+          </p:cNvPr>
+          <p:cNvSpPr/>
+          <p:nvPr/>
+        </p:nvSpPr>
+        <p:spPr>
+          <a:xfrm>
+            <a:off x="3810152" y="4371950"/>
+            <a:ext cx="1481926" cy="360040"/>
+          </a:xfrm>
+          <a:prstGeom prst="roundRect">
+            <a:avLst>
+              <a:gd name="adj" fmla="val 6774"/>
+            </a:avLst>
+          </a:prstGeom>
+        </p:spPr>
+        <p:style>
+          <a:lnRef idx="2">
+            <a:schemeClr val="dk1"/>
+          </a:lnRef>
+          <a:fillRef idx="1">
+            <a:schemeClr val="lt1"/>
+          </a:fillRef>
+          <a:effectRef idx="0">
+            <a:schemeClr val="dk1"/>
+          </a:effectRef>
+          <a:fontRef idx="minor">
+            <a:schemeClr val="dk1"/>
+          </a:fontRef>
+        </p:style>
+        <p:txBody>
+          <a:bodyPr rtlCol="0" anchor="ctr"/>
+          <a:lstStyle/>
+          <a:p>
+            <a:pPr algn="ctr"/>
+            <a:r>
+              <a:rPr lang="en-US" altLang="ko-KR" sz="1400"/>
+              <a:t>PUBLISHED</a:t>
+            </a:r>
+            <a:endParaRPr lang="ko-KR" altLang="en-US" sz="1400" b="1" dirty="0">
+              <a:solidFill>
+                <a:schemeClr val="accent2">
+                  <a:lumMod val="75000"/>
+                </a:schemeClr>
+              </a:solidFill>
+            </a:endParaRPr>
+          </a:p>
+        </p:txBody>
+      </p:sp>
+      <p:cxnSp>
+        <p:nvCxnSpPr>
+          <p:cNvPr id="33" name="직선 연결선 32">
+            <a:extLst>
+              <a:ext uri="{FF2B5EF4-FFF2-40B4-BE49-F238E27FC236}">
+                <a16:creationId xmlns:a16="http://schemas.microsoft.com/office/drawing/2014/main" id="{517CD418-966B-4236-962A-A79DA54DBAA3}"/>
+              </a:ext>
+            </a:extLst>
+          </p:cNvPr>
+          <p:cNvCxnSpPr>
+            <a:cxnSpLocks/>
+          </p:cNvCxnSpPr>
+          <p:nvPr/>
+        </p:nvCxnSpPr>
+        <p:spPr>
+          <a:xfrm>
+            <a:off x="4355976" y="1491630"/>
+            <a:ext cx="0" cy="720080"/>
+          </a:xfrm>
+          <a:prstGeom prst="line">
+            <a:avLst/>
+          </a:prstGeom>
+          <a:ln w="19050">
+            <a:solidFill>
+              <a:schemeClr val="tx1"/>
+            </a:solidFill>
+            <a:headEnd type="none" w="med" len="med"/>
+            <a:tailEnd type="arrow" w="med" len="med"/>
+          </a:ln>
+        </p:spPr>
+        <p:style>
+          <a:lnRef idx="1">
+            <a:schemeClr val="accent1"/>
+          </a:lnRef>
+          <a:fillRef idx="0">
+            <a:schemeClr val="accent1"/>
+          </a:fillRef>
+          <a:effectRef idx="0">
+            <a:schemeClr val="accent1"/>
+          </a:effectRef>
+          <a:fontRef idx="minor">
+            <a:schemeClr val="tx1"/>
+          </a:fontRef>
+        </p:style>
+      </p:cxnSp>
+      <p:cxnSp>
+        <p:nvCxnSpPr>
+          <p:cNvPr id="35" name="직선 연결선 34">
+            <a:extLst>
+              <a:ext uri="{FF2B5EF4-FFF2-40B4-BE49-F238E27FC236}">
+                <a16:creationId xmlns:a16="http://schemas.microsoft.com/office/drawing/2014/main" id="{88933655-BC4B-4547-9824-2AA22931E543}"/>
+              </a:ext>
+            </a:extLst>
+          </p:cNvPr>
+          <p:cNvCxnSpPr>
+            <a:cxnSpLocks/>
+          </p:cNvCxnSpPr>
+          <p:nvPr/>
+        </p:nvCxnSpPr>
+        <p:spPr>
+          <a:xfrm>
+            <a:off x="4355976" y="2571750"/>
+            <a:ext cx="0" cy="720080"/>
+          </a:xfrm>
+          <a:prstGeom prst="line">
+            <a:avLst/>
+          </a:prstGeom>
+          <a:ln w="19050">
+            <a:solidFill>
+              <a:schemeClr val="tx1"/>
+            </a:solidFill>
+            <a:headEnd type="none" w="med" len="med"/>
+            <a:tailEnd type="arrow" w="med" len="med"/>
+          </a:ln>
+        </p:spPr>
+        <p:style>
+          <a:lnRef idx="1">
+            <a:schemeClr val="accent1"/>
+          </a:lnRef>
+          <a:fillRef idx="0">
+            <a:schemeClr val="accent1"/>
+          </a:fillRef>
+          <a:effectRef idx="0">
+            <a:schemeClr val="accent1"/>
+          </a:effectRef>
+          <a:fontRef idx="minor">
+            <a:schemeClr val="tx1"/>
+          </a:fontRef>
+        </p:style>
+      </p:cxnSp>
+      <p:cxnSp>
+        <p:nvCxnSpPr>
+          <p:cNvPr id="36" name="직선 연결선 35">
+            <a:extLst>
+              <a:ext uri="{FF2B5EF4-FFF2-40B4-BE49-F238E27FC236}">
+                <a16:creationId xmlns:a16="http://schemas.microsoft.com/office/drawing/2014/main" id="{886EA343-24A7-4169-A079-D0D5EA32059D}"/>
+              </a:ext>
+            </a:extLst>
+          </p:cNvPr>
+          <p:cNvCxnSpPr>
+            <a:cxnSpLocks/>
+          </p:cNvCxnSpPr>
+          <p:nvPr/>
+        </p:nvCxnSpPr>
+        <p:spPr>
+          <a:xfrm>
+            <a:off x="4355976" y="3651870"/>
+            <a:ext cx="0" cy="720080"/>
+          </a:xfrm>
+          <a:prstGeom prst="line">
+            <a:avLst/>
+          </a:prstGeom>
+          <a:ln w="19050">
+            <a:solidFill>
+              <a:schemeClr val="tx1"/>
+            </a:solidFill>
+            <a:headEnd type="none" w="med" len="med"/>
+            <a:tailEnd type="arrow" w="med" len="med"/>
+          </a:ln>
+        </p:spPr>
+        <p:style>
+          <a:lnRef idx="1">
+            <a:schemeClr val="accent1"/>
+          </a:lnRef>
+          <a:fillRef idx="0">
+            <a:schemeClr val="accent1"/>
+          </a:fillRef>
+          <a:effectRef idx="0">
+            <a:schemeClr val="accent1"/>
+          </a:effectRef>
+          <a:fontRef idx="minor">
+            <a:schemeClr val="tx1"/>
+          </a:fontRef>
+        </p:style>
+      </p:cxnSp>
+      <p:cxnSp>
+        <p:nvCxnSpPr>
+          <p:cNvPr id="37" name="직선 연결선 36">
+            <a:extLst>
+              <a:ext uri="{FF2B5EF4-FFF2-40B4-BE49-F238E27FC236}">
+                <a16:creationId xmlns:a16="http://schemas.microsoft.com/office/drawing/2014/main" id="{40AFE86A-137C-4522-B94C-9F7C83721321}"/>
+              </a:ext>
+            </a:extLst>
+          </p:cNvPr>
+          <p:cNvCxnSpPr>
+            <a:cxnSpLocks/>
+          </p:cNvCxnSpPr>
+          <p:nvPr/>
+        </p:nvCxnSpPr>
+        <p:spPr>
+          <a:xfrm>
+            <a:off x="4762376" y="1491630"/>
+            <a:ext cx="0" cy="720080"/>
+          </a:xfrm>
+          <a:prstGeom prst="line">
+            <a:avLst/>
+          </a:prstGeom>
+          <a:ln w="19050">
+            <a:solidFill>
+              <a:schemeClr val="tx1"/>
+            </a:solidFill>
+            <a:headEnd type="arrow" w="med" len="med"/>
+            <a:tailEnd type="none" w="med" len="med"/>
+          </a:ln>
+        </p:spPr>
+        <p:style>
+          <a:lnRef idx="1">
+            <a:schemeClr val="accent1"/>
+          </a:lnRef>
+          <a:fillRef idx="0">
+            <a:schemeClr val="accent1"/>
+          </a:fillRef>
+          <a:effectRef idx="0">
+            <a:schemeClr val="accent1"/>
+          </a:effectRef>
+          <a:fontRef idx="minor">
+            <a:schemeClr val="tx1"/>
+          </a:fontRef>
+        </p:style>
+      </p:cxnSp>
+      <p:cxnSp>
+        <p:nvCxnSpPr>
+          <p:cNvPr id="38" name="직선 연결선 37">
+            <a:extLst>
+              <a:ext uri="{FF2B5EF4-FFF2-40B4-BE49-F238E27FC236}">
+                <a16:creationId xmlns:a16="http://schemas.microsoft.com/office/drawing/2014/main" id="{D6893780-905F-4E5D-BF66-127C7232F150}"/>
+              </a:ext>
+            </a:extLst>
+          </p:cNvPr>
+          <p:cNvCxnSpPr>
+            <a:cxnSpLocks/>
+          </p:cNvCxnSpPr>
+          <p:nvPr/>
+        </p:nvCxnSpPr>
+        <p:spPr>
+          <a:xfrm>
+            <a:off x="4762376" y="2571750"/>
+            <a:ext cx="0" cy="720080"/>
+          </a:xfrm>
+          <a:prstGeom prst="line">
+            <a:avLst/>
+          </a:prstGeom>
+          <a:ln w="19050">
+            <a:solidFill>
+              <a:schemeClr val="tx1"/>
+            </a:solidFill>
+            <a:headEnd type="arrow" w="med" len="med"/>
+            <a:tailEnd type="none" w="med" len="med"/>
+          </a:ln>
+        </p:spPr>
+        <p:style>
+          <a:lnRef idx="1">
+            <a:schemeClr val="accent1"/>
+          </a:lnRef>
+          <a:fillRef idx="0">
+            <a:schemeClr val="accent1"/>
+          </a:fillRef>
+          <a:effectRef idx="0">
+            <a:schemeClr val="accent1"/>
+          </a:effectRef>
+          <a:fontRef idx="minor">
+            <a:schemeClr val="tx1"/>
+          </a:fontRef>
+        </p:style>
+      </p:cxnSp>
+      <p:cxnSp>
+        <p:nvCxnSpPr>
+          <p:cNvPr id="39" name="직선 연결선 38">
+            <a:extLst>
+              <a:ext uri="{FF2B5EF4-FFF2-40B4-BE49-F238E27FC236}">
+                <a16:creationId xmlns:a16="http://schemas.microsoft.com/office/drawing/2014/main" id="{C160B9DA-7B02-41CA-82FE-5DB9FD239E61}"/>
+              </a:ext>
+            </a:extLst>
+          </p:cNvPr>
+          <p:cNvCxnSpPr>
+            <a:cxnSpLocks/>
+          </p:cNvCxnSpPr>
+          <p:nvPr/>
+        </p:nvCxnSpPr>
+        <p:spPr>
+          <a:xfrm>
+            <a:off x="4762376" y="3651870"/>
+            <a:ext cx="0" cy="720080"/>
+          </a:xfrm>
+          <a:prstGeom prst="line">
+            <a:avLst/>
+          </a:prstGeom>
+          <a:ln w="19050">
+            <a:solidFill>
+              <a:schemeClr val="tx1"/>
+            </a:solidFill>
+            <a:headEnd type="arrow" w="med" len="med"/>
+            <a:tailEnd type="none" w="med" len="med"/>
+          </a:ln>
+        </p:spPr>
+        <p:style>
+          <a:lnRef idx="1">
+            <a:schemeClr val="accent1"/>
+          </a:lnRef>
+          <a:fillRef idx="0">
+            <a:schemeClr val="accent1"/>
+          </a:fillRef>
+          <a:effectRef idx="0">
+            <a:schemeClr val="accent1"/>
+          </a:effectRef>
+          <a:fontRef idx="minor">
+            <a:schemeClr val="tx1"/>
+          </a:fontRef>
+        </p:style>
+      </p:cxnSp>
+      <p:cxnSp>
+        <p:nvCxnSpPr>
+          <p:cNvPr id="40" name="직선 연결선 39">
+            <a:extLst>
+              <a:ext uri="{FF2B5EF4-FFF2-40B4-BE49-F238E27FC236}">
+                <a16:creationId xmlns:a16="http://schemas.microsoft.com/office/drawing/2014/main" id="{A11405DC-2D92-4CC7-9E26-04D7BD319862}"/>
+              </a:ext>
+            </a:extLst>
+          </p:cNvPr>
+          <p:cNvCxnSpPr>
+            <a:cxnSpLocks/>
+            <a:endCxn id="19" idx="1"/>
+          </p:cNvCxnSpPr>
+          <p:nvPr/>
+        </p:nvCxnSpPr>
+        <p:spPr>
+          <a:xfrm>
+            <a:off x="3131840" y="1311610"/>
+            <a:ext cx="678312" cy="0"/>
+          </a:xfrm>
+          <a:prstGeom prst="line">
+            <a:avLst/>
+          </a:prstGeom>
+          <a:ln w="19050">
+            <a:solidFill>
+              <a:schemeClr val="tx1"/>
+            </a:solidFill>
+            <a:headEnd type="none" w="med" len="med"/>
+            <a:tailEnd type="arrow" w="med" len="med"/>
+          </a:ln>
+        </p:spPr>
+        <p:style>
+          <a:lnRef idx="1">
+            <a:schemeClr val="accent1"/>
+          </a:lnRef>
+          <a:fillRef idx="0">
+            <a:schemeClr val="accent1"/>
+          </a:fillRef>
+          <a:effectRef idx="0">
+            <a:schemeClr val="accent1"/>
+          </a:effectRef>
+          <a:fontRef idx="minor">
+            <a:schemeClr val="tx1"/>
+          </a:fontRef>
+        </p:style>
+      </p:cxnSp>
+      <p:cxnSp>
+        <p:nvCxnSpPr>
+          <p:cNvPr id="41" name="직선 연결선 40">
+            <a:extLst>
+              <a:ext uri="{FF2B5EF4-FFF2-40B4-BE49-F238E27FC236}">
+                <a16:creationId xmlns:a16="http://schemas.microsoft.com/office/drawing/2014/main" id="{60FD02AB-F87B-42CF-BF61-4F5FE6B2E340}"/>
+              </a:ext>
+            </a:extLst>
+          </p:cNvPr>
+          <p:cNvCxnSpPr>
+            <a:cxnSpLocks/>
+          </p:cNvCxnSpPr>
+          <p:nvPr/>
+        </p:nvCxnSpPr>
+        <p:spPr>
+          <a:xfrm>
+            <a:off x="5292078" y="1311610"/>
+            <a:ext cx="678312" cy="0"/>
+          </a:xfrm>
+          <a:prstGeom prst="line">
+            <a:avLst/>
+          </a:prstGeom>
+          <a:ln w="19050">
+            <a:solidFill>
+              <a:schemeClr val="tx1"/>
+            </a:solidFill>
+            <a:headEnd type="none" w="med" len="med"/>
+            <a:tailEnd type="arrow" w="med" len="med"/>
+          </a:ln>
+        </p:spPr>
+        <p:style>
+          <a:lnRef idx="1">
+            <a:schemeClr val="accent1"/>
+          </a:lnRef>
+          <a:fillRef idx="0">
+            <a:schemeClr val="accent1"/>
+          </a:fillRef>
+          <a:effectRef idx="0">
+            <a:schemeClr val="accent1"/>
+          </a:effectRef>
+          <a:fontRef idx="minor">
+            <a:schemeClr val="tx1"/>
+          </a:fontRef>
+        </p:style>
+      </p:cxnSp>
+      <p:sp>
+        <p:nvSpPr>
+          <p:cNvPr id="29" name="TextBox 28">
+            <a:extLst>
+              <a:ext uri="{FF2B5EF4-FFF2-40B4-BE49-F238E27FC236}">
+                <a16:creationId xmlns:a16="http://schemas.microsoft.com/office/drawing/2014/main" id="{9F236C8D-9B00-4BE5-A16E-EA4F0047427A}"/>
+              </a:ext>
+            </a:extLst>
+          </p:cNvPr>
+          <p:cNvSpPr txBox="1"/>
+          <p:nvPr/>
+        </p:nvSpPr>
+        <p:spPr>
+          <a:xfrm>
+            <a:off x="2339754" y="1034611"/>
+            <a:ext cx="1584171" cy="276999"/>
+          </a:xfrm>
+          <a:prstGeom prst="rect">
+            <a:avLst/>
+          </a:prstGeom>
+          <a:noFill/>
+        </p:spPr>
+        <p:txBody>
+          <a:bodyPr wrap="square" rtlCol="0">
+            <a:spAutoFit/>
+          </a:bodyPr>
+          <a:lstStyle/>
+          <a:p>
+            <a:pPr algn="ctr"/>
+            <a:r>
+              <a:rPr lang="en-US" altLang="ko-KR" sz="1200"/>
+              <a:t>CreateVolume</a:t>
+            </a:r>
+            <a:endParaRPr lang="ko-KR" altLang="en-US" sz="1200"/>
+          </a:p>
+        </p:txBody>
+      </p:sp>
+      <p:sp>
+        <p:nvSpPr>
+          <p:cNvPr id="42" name="TextBox 41">
+            <a:extLst>
+              <a:ext uri="{FF2B5EF4-FFF2-40B4-BE49-F238E27FC236}">
+                <a16:creationId xmlns:a16="http://schemas.microsoft.com/office/drawing/2014/main" id="{90A47B8E-1539-438E-AEEA-1B0A47B08193}"/>
+              </a:ext>
+            </a:extLst>
+          </p:cNvPr>
+          <p:cNvSpPr txBox="1"/>
+          <p:nvPr/>
+        </p:nvSpPr>
+        <p:spPr>
+          <a:xfrm>
+            <a:off x="5178304" y="1034611"/>
+            <a:ext cx="1584171" cy="276999"/>
+          </a:xfrm>
+          <a:prstGeom prst="rect">
+            <a:avLst/>
+          </a:prstGeom>
+          <a:noFill/>
+        </p:spPr>
+        <p:txBody>
+          <a:bodyPr wrap="square" rtlCol="0">
+            <a:spAutoFit/>
+          </a:bodyPr>
+          <a:lstStyle/>
+          <a:p>
+            <a:pPr algn="ctr"/>
+            <a:r>
+              <a:rPr lang="en-US" altLang="ko-KR" sz="1200"/>
+              <a:t>DeleteVolume</a:t>
+            </a:r>
+            <a:endParaRPr lang="ko-KR" altLang="en-US" sz="1200"/>
+          </a:p>
+        </p:txBody>
+      </p:sp>
+      <p:sp>
+        <p:nvSpPr>
+          <p:cNvPr id="43" name="TextBox 42">
+            <a:extLst>
+              <a:ext uri="{FF2B5EF4-FFF2-40B4-BE49-F238E27FC236}">
+                <a16:creationId xmlns:a16="http://schemas.microsoft.com/office/drawing/2014/main" id="{D27B2992-2CA6-4DD4-839E-43DD2C1D3ED8}"/>
+              </a:ext>
+            </a:extLst>
+          </p:cNvPr>
+          <p:cNvSpPr txBox="1"/>
+          <p:nvPr/>
+        </p:nvSpPr>
+        <p:spPr>
+          <a:xfrm>
+            <a:off x="3018066" y="1530600"/>
+            <a:ext cx="1584171" cy="646331"/>
+          </a:xfrm>
+          <a:prstGeom prst="rect">
+            <a:avLst/>
+          </a:prstGeom>
+          <a:noFill/>
+        </p:spPr>
+        <p:txBody>
+          <a:bodyPr wrap="square" rtlCol="0">
+            <a:spAutoFit/>
+          </a:bodyPr>
+          <a:lstStyle/>
+          <a:p>
+            <a:pPr algn="ctr"/>
+            <a:r>
+              <a:rPr lang="en-US" altLang="ko-KR" sz="1200"/>
+              <a:t>Controller</a:t>
+            </a:r>
+          </a:p>
+          <a:p>
+            <a:pPr algn="ctr"/>
+            <a:r>
+              <a:rPr lang="en-US" altLang="ko-KR" sz="1200"/>
+              <a:t>Publish</a:t>
+            </a:r>
+          </a:p>
+          <a:p>
+            <a:pPr algn="ctr"/>
+            <a:r>
+              <a:rPr lang="en-US" altLang="ko-KR" sz="1200"/>
+              <a:t>Volume</a:t>
+            </a:r>
+            <a:endParaRPr lang="ko-KR" altLang="en-US" sz="1200"/>
+          </a:p>
+        </p:txBody>
+      </p:sp>
+      <p:sp>
+        <p:nvSpPr>
+          <p:cNvPr id="44" name="TextBox 43">
+            <a:extLst>
+              <a:ext uri="{FF2B5EF4-FFF2-40B4-BE49-F238E27FC236}">
+                <a16:creationId xmlns:a16="http://schemas.microsoft.com/office/drawing/2014/main" id="{6D5805FD-7052-4A00-A4C3-8FE05429D300}"/>
+              </a:ext>
+            </a:extLst>
+          </p:cNvPr>
+          <p:cNvSpPr txBox="1"/>
+          <p:nvPr/>
+        </p:nvSpPr>
+        <p:spPr>
+          <a:xfrm>
+            <a:off x="4499992" y="1530600"/>
+            <a:ext cx="1584171" cy="646331"/>
+          </a:xfrm>
+          <a:prstGeom prst="rect">
+            <a:avLst/>
+          </a:prstGeom>
+          <a:noFill/>
+        </p:spPr>
+        <p:txBody>
+          <a:bodyPr wrap="square" rtlCol="0">
+            <a:spAutoFit/>
+          </a:bodyPr>
+          <a:lstStyle/>
+          <a:p>
+            <a:pPr algn="ctr"/>
+            <a:r>
+              <a:rPr lang="en-US" altLang="ko-KR" sz="1200"/>
+              <a:t>Controller</a:t>
+            </a:r>
+          </a:p>
+          <a:p>
+            <a:pPr algn="ctr"/>
+            <a:r>
+              <a:rPr lang="en-US" altLang="ko-KR" sz="1200"/>
+              <a:t>Unpublish</a:t>
+            </a:r>
+          </a:p>
+          <a:p>
+            <a:pPr algn="ctr"/>
+            <a:r>
+              <a:rPr lang="en-US" altLang="ko-KR" sz="1200"/>
+              <a:t>Volume</a:t>
+            </a:r>
+            <a:endParaRPr lang="ko-KR" altLang="en-US" sz="1200"/>
+          </a:p>
+        </p:txBody>
+      </p:sp>
+      <p:sp>
+        <p:nvSpPr>
+          <p:cNvPr id="45" name="TextBox 44">
+            <a:extLst>
+              <a:ext uri="{FF2B5EF4-FFF2-40B4-BE49-F238E27FC236}">
+                <a16:creationId xmlns:a16="http://schemas.microsoft.com/office/drawing/2014/main" id="{C865C9E2-821B-48D6-9C0C-D866565AF4E4}"/>
+              </a:ext>
+            </a:extLst>
+          </p:cNvPr>
+          <p:cNvSpPr txBox="1"/>
+          <p:nvPr/>
+        </p:nvSpPr>
+        <p:spPr>
+          <a:xfrm>
+            <a:off x="3018066" y="2608624"/>
+            <a:ext cx="1584171" cy="646331"/>
+          </a:xfrm>
+          <a:prstGeom prst="rect">
+            <a:avLst/>
+          </a:prstGeom>
+          <a:noFill/>
+        </p:spPr>
+        <p:txBody>
+          <a:bodyPr wrap="square" rtlCol="0">
+            <a:spAutoFit/>
+          </a:bodyPr>
+          <a:lstStyle/>
+          <a:p>
+            <a:pPr algn="ctr"/>
+            <a:r>
+              <a:rPr lang="en-US" altLang="ko-KR" sz="1200"/>
+              <a:t>Node</a:t>
+            </a:r>
+          </a:p>
+          <a:p>
+            <a:pPr algn="ctr"/>
+            <a:r>
+              <a:rPr lang="en-US" altLang="ko-KR" sz="1200"/>
+              <a:t>Stage</a:t>
+            </a:r>
+          </a:p>
+          <a:p>
+            <a:pPr algn="ctr"/>
+            <a:r>
+              <a:rPr lang="en-US" altLang="ko-KR" sz="1200"/>
+              <a:t>Volume</a:t>
+            </a:r>
+            <a:endParaRPr lang="ko-KR" altLang="en-US" sz="1200"/>
+          </a:p>
+        </p:txBody>
+      </p:sp>
+      <p:sp>
+        <p:nvSpPr>
+          <p:cNvPr id="46" name="TextBox 45">
+            <a:extLst>
+              <a:ext uri="{FF2B5EF4-FFF2-40B4-BE49-F238E27FC236}">
+                <a16:creationId xmlns:a16="http://schemas.microsoft.com/office/drawing/2014/main" id="{1B933A09-9635-47FC-AA8A-B8B2DCEEFC42}"/>
+              </a:ext>
+            </a:extLst>
+          </p:cNvPr>
+          <p:cNvSpPr txBox="1"/>
+          <p:nvPr/>
+        </p:nvSpPr>
+        <p:spPr>
+          <a:xfrm>
+            <a:off x="4499992" y="2608624"/>
+            <a:ext cx="1584171" cy="646331"/>
+          </a:xfrm>
+          <a:prstGeom prst="rect">
+            <a:avLst/>
+          </a:prstGeom>
+          <a:noFill/>
+        </p:spPr>
+        <p:txBody>
+          <a:bodyPr wrap="square" rtlCol="0">
+            <a:spAutoFit/>
+          </a:bodyPr>
+          <a:lstStyle/>
+          <a:p>
+            <a:pPr algn="ctr"/>
+            <a:r>
+              <a:rPr lang="en-US" altLang="ko-KR" sz="1200"/>
+              <a:t>Node</a:t>
+            </a:r>
+          </a:p>
+          <a:p>
+            <a:pPr algn="ctr"/>
+            <a:r>
+              <a:rPr lang="en-US" altLang="ko-KR" sz="1200"/>
+              <a:t>Unstage</a:t>
+            </a:r>
+          </a:p>
+          <a:p>
+            <a:pPr algn="ctr"/>
+            <a:r>
+              <a:rPr lang="en-US" altLang="ko-KR" sz="1200"/>
+              <a:t>Volume</a:t>
+            </a:r>
+            <a:endParaRPr lang="ko-KR" altLang="en-US" sz="1200"/>
+          </a:p>
+        </p:txBody>
+      </p:sp>
+      <p:sp>
+        <p:nvSpPr>
+          <p:cNvPr id="47" name="TextBox 46">
+            <a:extLst>
+              <a:ext uri="{FF2B5EF4-FFF2-40B4-BE49-F238E27FC236}">
+                <a16:creationId xmlns:a16="http://schemas.microsoft.com/office/drawing/2014/main" id="{DD8BA251-856E-4CEA-90EE-B99701B59455}"/>
+              </a:ext>
+            </a:extLst>
+          </p:cNvPr>
+          <p:cNvSpPr txBox="1"/>
+          <p:nvPr/>
+        </p:nvSpPr>
+        <p:spPr>
+          <a:xfrm>
+            <a:off x="3018066" y="3688744"/>
+            <a:ext cx="1584171" cy="646331"/>
+          </a:xfrm>
+          <a:prstGeom prst="rect">
+            <a:avLst/>
+          </a:prstGeom>
+          <a:noFill/>
+        </p:spPr>
+        <p:txBody>
+          <a:bodyPr wrap="square" rtlCol="0">
+            <a:spAutoFit/>
+          </a:bodyPr>
+          <a:lstStyle/>
+          <a:p>
+            <a:pPr algn="ctr"/>
+            <a:r>
+              <a:rPr lang="en-US" altLang="ko-KR" sz="1200"/>
+              <a:t>Node</a:t>
+            </a:r>
+          </a:p>
+          <a:p>
+            <a:pPr algn="ctr"/>
+            <a:r>
+              <a:rPr lang="en-US" altLang="ko-KR" sz="1200"/>
+              <a:t>Publish</a:t>
+            </a:r>
+          </a:p>
+          <a:p>
+            <a:pPr algn="ctr"/>
+            <a:r>
+              <a:rPr lang="en-US" altLang="ko-KR" sz="1200"/>
+              <a:t>Volume</a:t>
+            </a:r>
+            <a:endParaRPr lang="ko-KR" altLang="en-US" sz="1200"/>
+          </a:p>
+        </p:txBody>
+      </p:sp>
+      <p:sp>
+        <p:nvSpPr>
+          <p:cNvPr id="48" name="TextBox 47">
+            <a:extLst>
+              <a:ext uri="{FF2B5EF4-FFF2-40B4-BE49-F238E27FC236}">
+                <a16:creationId xmlns:a16="http://schemas.microsoft.com/office/drawing/2014/main" id="{F43A94D6-35F6-424D-944A-1885D60E572C}"/>
+              </a:ext>
+            </a:extLst>
+          </p:cNvPr>
+          <p:cNvSpPr txBox="1"/>
+          <p:nvPr/>
+        </p:nvSpPr>
+        <p:spPr>
+          <a:xfrm>
+            <a:off x="4499992" y="3688744"/>
+            <a:ext cx="1584171" cy="646331"/>
+          </a:xfrm>
+          <a:prstGeom prst="rect">
+            <a:avLst/>
+          </a:prstGeom>
+          <a:noFill/>
+        </p:spPr>
+        <p:txBody>
+          <a:bodyPr wrap="square" rtlCol="0">
+            <a:spAutoFit/>
+          </a:bodyPr>
+          <a:lstStyle/>
+          <a:p>
+            <a:pPr algn="ctr"/>
+            <a:r>
+              <a:rPr lang="en-US" altLang="ko-KR" sz="1200"/>
+              <a:t>Node</a:t>
+            </a:r>
+          </a:p>
+          <a:p>
+            <a:pPr algn="ctr"/>
+            <a:r>
+              <a:rPr lang="en-US" altLang="ko-KR" sz="1200"/>
+              <a:t>Unpublish</a:t>
+            </a:r>
+          </a:p>
+          <a:p>
+            <a:pPr algn="ctr"/>
+            <a:r>
+              <a:rPr lang="en-US" altLang="ko-KR" sz="1200"/>
+              <a:t>Volume</a:t>
+            </a:r>
+            <a:endParaRPr lang="ko-KR" altLang="en-US" sz="1200"/>
+          </a:p>
+        </p:txBody>
+      </p:sp>
+    </p:spTree>
+    <p:extLst>
+      <p:ext uri="{BB962C8B-B14F-4D97-AF65-F5344CB8AC3E}">
+        <p14:creationId xmlns:p14="http://schemas.microsoft.com/office/powerpoint/2010/main" val="2429690121"/>
+      </p:ext>
+    </p:extLst>
+  </p:cSld>
+  <p:clrMapOvr>
+    <a:masterClrMapping/>
+  </p:clrMapOvr>
+</p:sld>
+</file>
+
+<file path=ppt/slides/slide3.xml><?xml version="1.0" encoding="utf-8"?>
+<p:sld xmlns:a="http://schemas.openxmlformats.org/drawingml/2006/main" xmlns:r="http://schemas.openxmlformats.org/officeDocument/2006/relationships" xmlns:p="http://schemas.openxmlformats.org/presentationml/2006/main">
+  <p:cSld>
+    <p:spTree>
+      <p:nvGrpSpPr>
+        <p:cNvPr id="1" name=""/>
+        <p:cNvGrpSpPr/>
+        <p:nvPr/>
+      </p:nvGrpSpPr>
+      <p:grpSpPr>
+        <a:xfrm>
+          <a:off x="0" y="0"/>
+          <a:ext cx="0" cy="0"/>
+          <a:chOff x="0" y="0"/>
+          <a:chExt cx="0" cy="0"/>
+        </a:xfrm>
+      </p:grpSpPr>
     </p:spTree>
     <p:extLst>
       <p:ext uri="{BB962C8B-B14F-4D97-AF65-F5344CB8AC3E}">
@@ -4305,7 +5104,7 @@
 </p:sld>
 </file>
 
-<file path=ppt/slides/slide3.xml><?xml version="1.0" encoding="utf-8"?>
+<file path=ppt/slides/slide4.xml><?xml version="1.0" encoding="utf-8"?>
 <p:sld xmlns:a="http://schemas.openxmlformats.org/drawingml/2006/main" xmlns:r="http://schemas.openxmlformats.org/officeDocument/2006/relationships" xmlns:p="http://schemas.openxmlformats.org/presentationml/2006/main">
   <p:cSld>
     <p:spTree>

--- a/images/theory_analysis/Container_Storage_Interface/CSI.pptx
+++ b/images/theory_analysis/Container_Storage_Interface/CSI.pptx
@@ -3690,7 +3690,7 @@
         </p:nvSpPr>
         <p:spPr>
           <a:xfrm>
-            <a:off x="3234083" y="1491630"/>
+            <a:off x="3234083" y="1419622"/>
             <a:ext cx="2634064" cy="504056"/>
           </a:xfrm>
           <a:prstGeom prst="roundRect">
@@ -3746,8 +3746,8 @@
         </p:nvSpPr>
         <p:spPr>
           <a:xfrm>
-            <a:off x="3234083" y="2283718"/>
-            <a:ext cx="2634064" cy="576064"/>
+            <a:off x="3234083" y="2182586"/>
+            <a:ext cx="2634064" cy="778328"/>
           </a:xfrm>
           <a:prstGeom prst="roundRect">
             <a:avLst>
@@ -3788,12 +3788,16 @@
             </a:r>
             <a:r>
               <a:rPr lang="en-US" altLang="ko-KR" sz="1400"/>
-              <a:t>Container Storage </a:t>
-            </a:r>
-            <a:r>
-              <a:rPr lang="en-US" altLang="ko-KR" sz="1400" dirty="0"/>
-              <a:t>Interface)</a:t>
-            </a:r>
+              <a:t>Container Storage Interface)</a:t>
+            </a:r>
+          </a:p>
+          <a:p>
+            <a:pPr algn="ctr"/>
+            <a:r>
+              <a:rPr lang="en-US" altLang="ko-KR" sz="1400"/>
+              <a:t>gRPC</a:t>
+            </a:r>
+            <a:endParaRPr lang="en-US" altLang="ko-KR" sz="1400" dirty="0"/>
           </a:p>
         </p:txBody>
       </p:sp>
@@ -3815,8 +3819,8 @@
         </p:nvCxnSpPr>
         <p:spPr>
           <a:xfrm>
-            <a:off x="4551115" y="1995686"/>
-            <a:ext cx="0" cy="288032"/>
+            <a:off x="4551115" y="1923678"/>
+            <a:ext cx="0" cy="258908"/>
           </a:xfrm>
           <a:prstGeom prst="line">
             <a:avLst/>
@@ -3856,7 +3860,7 @@
         </p:nvSpPr>
         <p:spPr>
           <a:xfrm>
-            <a:off x="2764543" y="3219822"/>
+            <a:off x="2764543" y="3291830"/>
             <a:ext cx="1656188" cy="576064"/>
           </a:xfrm>
           <a:prstGeom prst="roundRect">
@@ -3910,8 +3914,8 @@
         </p:nvCxnSpPr>
         <p:spPr>
           <a:xfrm flipH="1">
-            <a:off x="3592637" y="2859782"/>
-            <a:ext cx="958478" cy="360040"/>
+            <a:off x="3592637" y="2960914"/>
+            <a:ext cx="958478" cy="330916"/>
           </a:xfrm>
           <a:prstGeom prst="line">
             <a:avLst/>
@@ -3955,8 +3959,8 @@
         </p:nvCxnSpPr>
         <p:spPr>
           <a:xfrm>
-            <a:off x="4551115" y="2859782"/>
-            <a:ext cx="985741" cy="360040"/>
+            <a:off x="4551115" y="2960914"/>
+            <a:ext cx="985741" cy="330916"/>
           </a:xfrm>
           <a:prstGeom prst="line">
             <a:avLst/>
@@ -3996,7 +4000,7 @@
         </p:nvSpPr>
         <p:spPr>
           <a:xfrm>
-            <a:off x="4708762" y="3219822"/>
+            <a:off x="4708762" y="3291830"/>
             <a:ext cx="1656188" cy="576064"/>
           </a:xfrm>
           <a:prstGeom prst="roundRect">
